--- a/chat_bot_hackathon.pptx
+++ b/chat_bot_hackathon.pptx
@@ -107,6 +107,11 @@
       </a:defRPr>
     </a:lvl9pPr>
   </p:defaultTextStyle>
+  <p:extLst>
+    <p:ext uri="{EFAFB233-063F-42B5-8137-9DF3F51BA10A}">
+      <p15:sldGuideLst xmlns:p15="http://schemas.microsoft.com/office/powerpoint/2012/main"/>
+    </p:ext>
+  </p:extLst>
 </p:presentation>
 </file>
 
@@ -6473,7 +6478,7 @@
         </p:blipFill>
         <p:spPr>
           <a:xfrm>
-            <a:off x="2225215" y="1668654"/>
+            <a:off x="2153497" y="2975032"/>
             <a:ext cx="6614733" cy="2911092"/>
           </a:xfrm>
           <a:prstGeom prst="rect">
@@ -6495,7 +6500,7 @@
         </p:nvSpPr>
         <p:spPr>
           <a:xfrm>
-            <a:off x="2485484" y="1668654"/>
+            <a:off x="2682707" y="2975032"/>
             <a:ext cx="5170583" cy="338554"/>
           </a:xfrm>
           <a:prstGeom prst="rect">
@@ -6604,8 +6609,8 @@
         </p:nvSpPr>
         <p:spPr>
           <a:xfrm>
-            <a:off x="2225215" y="999989"/>
-            <a:ext cx="1528367" cy="461665"/>
+            <a:off x="1990165" y="1677932"/>
+            <a:ext cx="1943373" cy="461665"/>
           </a:xfrm>
           <a:prstGeom prst="rect">
             <a:avLst/>
@@ -6613,7 +6618,7 @@
           <a:noFill/>
         </p:spPr>
         <p:txBody>
-          <a:bodyPr wrap="none" lIns="91440" tIns="45720" rIns="91440" bIns="45720">
+          <a:bodyPr wrap="square" lIns="91440" tIns="45720" rIns="91440" bIns="45720">
             <a:spAutoFit/>
           </a:bodyPr>
           <a:lstStyle/>
@@ -6634,6 +6639,41 @@
                 </a:effectLst>
               </a:rPr>
               <a:t>Flow Chart</a:t>
+            </a:r>
+          </a:p>
+        </p:txBody>
+      </p:sp>
+      <p:sp>
+        <p:nvSpPr>
+          <p:cNvPr id="2" name="TextBox 1">
+            <a:extLst>
+              <a:ext uri="{FF2B5EF4-FFF2-40B4-BE49-F238E27FC236}">
+                <a16:creationId xmlns:a16="http://schemas.microsoft.com/office/drawing/2014/main" id="{F1FF6A2A-A2FF-57C6-9672-0DD795D67C85}"/>
+              </a:ext>
+            </a:extLst>
+          </p:cNvPr>
+          <p:cNvSpPr txBox="1"/>
+          <p:nvPr/>
+        </p:nvSpPr>
+        <p:spPr>
+          <a:xfrm>
+            <a:off x="1990165" y="2294965"/>
+            <a:ext cx="5378823" cy="369332"/>
+          </a:xfrm>
+          <a:prstGeom prst="rect">
+            <a:avLst/>
+          </a:prstGeom>
+          <a:noFill/>
+        </p:spPr>
+        <p:txBody>
+          <a:bodyPr wrap="square" rtlCol="0">
+            <a:spAutoFit/>
+          </a:bodyPr>
+          <a:lstStyle/>
+          <a:p>
+            <a:r>
+              <a:rPr lang="en-IN" dirty="0"/>
+              <a:t>Solution is deployed in google cloud using Docker</a:t>
             </a:r>
           </a:p>
         </p:txBody>
